--- a/ExampleForCriteria/ModelsOfApplications.pptx
+++ b/ExampleForCriteria/ModelsOfApplications.pptx
@@ -11,7 +11,8 @@
     <p:sldId id="257" r:id="rId5"/>
     <p:sldId id="258" r:id="rId6"/>
     <p:sldId id="259" r:id="rId7"/>
-    <p:sldId id="260" r:id="rId8"/>
+    <p:sldId id="261" r:id="rId8"/>
+    <p:sldId id="260" r:id="rId9"/>
   </p:sldIdLst>
   <p:sldSz cx="18000663" cy="18000663"/>
   <p:notesSz cx="7559675" cy="10691813"/>
@@ -110,6 +111,11 @@
       </a:defRPr>
     </a:lvl9pPr>
   </p:defaultTextStyle>
+  <p:extLst>
+    <p:ext uri="{EFAFB233-063F-42B5-8137-9DF3F51BA10A}">
+      <p15:sldGuideLst xmlns:p15="http://schemas.microsoft.com/office/powerpoint/2012/main"/>
+    </p:ext>
+  </p:extLst>
 </p:presentation>
 </file>
 
@@ -10255,6 +10261,160 @@
           </p:txBody>
         </p:sp>
       </p:grpSp>
+      <p:grpSp>
+        <p:nvGrpSpPr>
+          <p:cNvPr id="29" name="Group 2"/>
+          <p:cNvGrpSpPr/>
+          <p:nvPr/>
+        </p:nvGrpSpPr>
+        <p:grpSpPr>
+          <a:xfrm>
+            <a:off x="3257668" y="684900"/>
+            <a:ext cx="1106280" cy="979920"/>
+            <a:chOff x="1067400" y="2781000"/>
+            <a:chExt cx="1106280" cy="979920"/>
+          </a:xfrm>
+        </p:grpSpPr>
+        <p:pic>
+          <p:nvPicPr>
+            <p:cNvPr id="30" name="Grafik 58"/>
+            <p:cNvPicPr/>
+            <p:nvPr/>
+          </p:nvPicPr>
+          <p:blipFill>
+            <a:blip r:embed="rId2"/>
+            <a:stretch/>
+          </p:blipFill>
+          <p:spPr>
+            <a:xfrm>
+              <a:off x="1171800" y="2781000"/>
+              <a:ext cx="608760" cy="629640"/>
+            </a:xfrm>
+            <a:prstGeom prst="rect">
+              <a:avLst/>
+            </a:prstGeom>
+            <a:ln>
+              <a:noFill/>
+            </a:ln>
+          </p:spPr>
+        </p:pic>
+        <p:sp>
+          <p:nvSpPr>
+            <p:cNvPr id="31" name="CustomShape 3"/>
+            <p:cNvSpPr/>
+            <p:nvPr/>
+          </p:nvSpPr>
+          <p:spPr>
+            <a:xfrm>
+              <a:off x="1067400" y="3399120"/>
+              <a:ext cx="1106280" cy="361800"/>
+            </a:xfrm>
+            <a:prstGeom prst="rect">
+              <a:avLst/>
+            </a:prstGeom>
+            <a:noFill/>
+            <a:ln>
+              <a:noFill/>
+            </a:ln>
+          </p:spPr>
+          <p:style>
+            <a:lnRef idx="0">
+              <a:scrgbClr r="0" g="0" b="0"/>
+            </a:lnRef>
+            <a:fillRef idx="0">
+              <a:scrgbClr r="0" g="0" b="0"/>
+            </a:fillRef>
+            <a:effectRef idx="0">
+              <a:scrgbClr r="0" g="0" b="0"/>
+            </a:effectRef>
+            <a:fontRef idx="minor"/>
+          </p:style>
+          <p:txBody>
+            <a:bodyPr wrap="none" lIns="90000" tIns="45000" rIns="90000" bIns="45000"/>
+            <a:lstStyle/>
+            <a:p>
+              <a:pPr algn="ctr">
+                <a:lnSpc>
+                  <a:spcPct val="100000"/>
+                </a:lnSpc>
+              </a:pPr>
+              <a:r>
+                <a:rPr lang="en-US" sz="2520" b="1" strike="noStrike" spc="-1" dirty="0" err="1" smtClean="0">
+                  <a:solidFill>
+                    <a:srgbClr val="000000"/>
+                  </a:solidFill>
+                  <a:latin typeface="Arial"/>
+                  <a:ea typeface="DejaVu Sans"/>
+                </a:rPr>
+                <a:t>Deleter_AD</a:t>
+              </a:r>
+              <a:endParaRPr lang="en-US" sz="2520" b="0" strike="noStrike" spc="-1" dirty="0">
+                <a:latin typeface="Arial"/>
+              </a:endParaRPr>
+            </a:p>
+            <a:p>
+              <a:pPr algn="ctr">
+                <a:lnSpc>
+                  <a:spcPct val="100000"/>
+                </a:lnSpc>
+              </a:pPr>
+              <a:endParaRPr lang="en-US" sz="2520" b="0" strike="noStrike" spc="-1" dirty="0">
+                <a:latin typeface="Arial"/>
+              </a:endParaRPr>
+            </a:p>
+          </p:txBody>
+        </p:sp>
+      </p:grpSp>
+      <p:sp>
+        <p:nvSpPr>
+          <p:cNvPr id="32" name="CustomShape 7"/>
+          <p:cNvSpPr/>
+          <p:nvPr/>
+        </p:nvSpPr>
+        <p:spPr>
+          <a:xfrm>
+            <a:off x="3934080" y="1920240"/>
+            <a:ext cx="323280" cy="817920"/>
+          </a:xfrm>
+          <a:custGeom>
+            <a:avLst/>
+            <a:gdLst/>
+            <a:ahLst/>
+            <a:cxnLst/>
+            <a:rect l="l" t="t" r="r" b="b"/>
+            <a:pathLst>
+              <a:path w="21600" h="21600">
+                <a:moveTo>
+                  <a:pt x="0" y="0"/>
+                </a:moveTo>
+                <a:lnTo>
+                  <a:pt x="21600" y="21600"/>
+                </a:lnTo>
+              </a:path>
+            </a:pathLst>
+          </a:custGeom>
+          <a:noFill/>
+          <a:ln w="19080">
+            <a:solidFill>
+              <a:schemeClr val="tx1"/>
+            </a:solidFill>
+            <a:round/>
+            <a:tailEnd type="triangle" w="lg" len="lg"/>
+          </a:ln>
+        </p:spPr>
+        <p:style>
+          <a:lnRef idx="1">
+            <a:schemeClr val="accent1"/>
+          </a:lnRef>
+          <a:fillRef idx="0">
+            <a:schemeClr val="accent1"/>
+          </a:fillRef>
+          <a:effectRef idx="0">
+            <a:schemeClr val="accent1"/>
+          </a:effectRef>
+          <a:fontRef idx="minor"/>
+        </p:style>
+      </p:sp>
     </p:spTree>
   </p:cSld>
   <p:clrMapOvr>
@@ -10291,6 +10451,1281 @@
 </file>
 
 <file path=ppt/slides/slide5.xml><?xml version="1.0" encoding="utf-8"?>
+<p:sld xmlns:a="http://schemas.openxmlformats.org/drawingml/2006/main" xmlns:r="http://schemas.openxmlformats.org/officeDocument/2006/relationships" xmlns:p="http://schemas.openxmlformats.org/presentationml/2006/main">
+  <p:cSld>
+    <p:spTree>
+      <p:nvGrpSpPr>
+        <p:cNvPr id="1" name=""/>
+        <p:cNvGrpSpPr/>
+        <p:nvPr/>
+      </p:nvGrpSpPr>
+      <p:grpSpPr>
+        <a:xfrm>
+          <a:off x="0" y="0"/>
+          <a:ext cx="0" cy="0"/>
+          <a:chOff x="0" y="0"/>
+          <a:chExt cx="0" cy="0"/>
+        </a:xfrm>
+      </p:grpSpPr>
+      <p:sp>
+        <p:nvSpPr>
+          <p:cNvPr id="191" name="CustomShape 1"/>
+          <p:cNvSpPr/>
+          <p:nvPr/>
+        </p:nvSpPr>
+        <p:spPr>
+          <a:xfrm>
+            <a:off x="430200" y="264960"/>
+            <a:ext cx="7883640" cy="569880"/>
+          </a:xfrm>
+          <a:prstGeom prst="rect">
+            <a:avLst/>
+          </a:prstGeom>
+          <a:noFill/>
+          <a:ln w="9360">
+            <a:noFill/>
+          </a:ln>
+        </p:spPr>
+        <p:style>
+          <a:lnRef idx="0">
+            <a:scrgbClr r="0" g="0" b="0"/>
+          </a:lnRef>
+          <a:fillRef idx="0">
+            <a:scrgbClr r="0" g="0" b="0"/>
+          </a:fillRef>
+          <a:effectRef idx="0">
+            <a:scrgbClr r="0" g="0" b="0"/>
+          </a:effectRef>
+          <a:fontRef idx="minor"/>
+        </p:style>
+        <p:txBody>
+          <a:bodyPr lIns="90000" tIns="45000" rIns="90000" bIns="45000" anchor="ctr"/>
+          <a:lstStyle/>
+          <a:p>
+            <a:pPr>
+              <a:lnSpc>
+                <a:spcPct val="100000"/>
+              </a:lnSpc>
+            </a:pPr>
+            <a:r>
+              <a:rPr lang="en-US" sz="3200" b="0" strike="noStrike" spc="-1" dirty="0" smtClean="0">
+                <a:solidFill>
+                  <a:srgbClr val="00407A"/>
+                </a:solidFill>
+                <a:latin typeface="Arial"/>
+                <a:ea typeface="DejaVu Sans"/>
+              </a:rPr>
+              <a:t>All-</a:t>
+            </a:r>
+            <a:r>
+              <a:rPr lang="en-US" sz="3200" b="0" strike="noStrike" spc="-1" dirty="0" err="1" smtClean="0">
+                <a:solidFill>
+                  <a:srgbClr val="00407A"/>
+                </a:solidFill>
+                <a:latin typeface="Arial"/>
+                <a:ea typeface="DejaVu Sans"/>
+              </a:rPr>
+              <a:t>DefUse</a:t>
+            </a:r>
+            <a:endParaRPr lang="en-US" sz="3200" b="0" strike="noStrike" spc="-1" dirty="0">
+              <a:latin typeface="Arial"/>
+            </a:endParaRPr>
+          </a:p>
+          <a:p>
+            <a:pPr>
+              <a:lnSpc>
+                <a:spcPct val="100000"/>
+              </a:lnSpc>
+            </a:pPr>
+            <a:endParaRPr lang="en-US" sz="3200" b="0" strike="noStrike" spc="-1" dirty="0">
+              <a:latin typeface="Arial"/>
+            </a:endParaRPr>
+          </a:p>
+        </p:txBody>
+      </p:sp>
+      <p:grpSp>
+        <p:nvGrpSpPr>
+          <p:cNvPr id="192" name="Group 2"/>
+          <p:cNvGrpSpPr/>
+          <p:nvPr/>
+        </p:nvGrpSpPr>
+        <p:grpSpPr>
+          <a:xfrm>
+            <a:off x="1067400" y="2781000"/>
+            <a:ext cx="1106280" cy="979920"/>
+            <a:chOff x="1067400" y="2781000"/>
+            <a:chExt cx="1106280" cy="979920"/>
+          </a:xfrm>
+        </p:grpSpPr>
+        <p:pic>
+          <p:nvPicPr>
+            <p:cNvPr id="193" name="Grafik 58"/>
+            <p:cNvPicPr/>
+            <p:nvPr/>
+          </p:nvPicPr>
+          <p:blipFill>
+            <a:blip r:embed="rId2"/>
+            <a:stretch/>
+          </p:blipFill>
+          <p:spPr>
+            <a:xfrm>
+              <a:off x="1171800" y="2781000"/>
+              <a:ext cx="608760" cy="629640"/>
+            </a:xfrm>
+            <a:prstGeom prst="rect">
+              <a:avLst/>
+            </a:prstGeom>
+            <a:ln>
+              <a:noFill/>
+            </a:ln>
+          </p:spPr>
+        </p:pic>
+        <p:sp>
+          <p:nvSpPr>
+            <p:cNvPr id="194" name="CustomShape 3"/>
+            <p:cNvSpPr/>
+            <p:nvPr/>
+          </p:nvSpPr>
+          <p:spPr>
+            <a:xfrm>
+              <a:off x="1067400" y="3399120"/>
+              <a:ext cx="1106280" cy="361800"/>
+            </a:xfrm>
+            <a:prstGeom prst="rect">
+              <a:avLst/>
+            </a:prstGeom>
+            <a:noFill/>
+            <a:ln>
+              <a:noFill/>
+            </a:ln>
+          </p:spPr>
+          <p:style>
+            <a:lnRef idx="0">
+              <a:scrgbClr r="0" g="0" b="0"/>
+            </a:lnRef>
+            <a:fillRef idx="0">
+              <a:scrgbClr r="0" g="0" b="0"/>
+            </a:fillRef>
+            <a:effectRef idx="0">
+              <a:scrgbClr r="0" g="0" b="0"/>
+            </a:effectRef>
+            <a:fontRef idx="minor"/>
+          </p:style>
+          <p:txBody>
+            <a:bodyPr wrap="none" lIns="90000" tIns="45000" rIns="90000" bIns="45000"/>
+            <a:lstStyle/>
+            <a:p>
+              <a:pPr algn="ctr">
+                <a:lnSpc>
+                  <a:spcPct val="100000"/>
+                </a:lnSpc>
+              </a:pPr>
+              <a:r>
+                <a:rPr lang="en-US" sz="2520" b="1" strike="noStrike" spc="-1" dirty="0" err="1" smtClean="0">
+                  <a:solidFill>
+                    <a:srgbClr val="000000"/>
+                  </a:solidFill>
+                  <a:latin typeface="Arial"/>
+                  <a:ea typeface="DejaVu Sans"/>
+                </a:rPr>
+                <a:t>Writer_DU</a:t>
+              </a:r>
+              <a:endParaRPr lang="en-US" sz="2520" b="0" strike="noStrike" spc="-1" dirty="0">
+                <a:latin typeface="Arial"/>
+              </a:endParaRPr>
+            </a:p>
+            <a:p>
+              <a:pPr algn="ctr">
+                <a:lnSpc>
+                  <a:spcPct val="100000"/>
+                </a:lnSpc>
+              </a:pPr>
+              <a:endParaRPr lang="en-US" sz="2520" b="0" strike="noStrike" spc="-1" dirty="0">
+                <a:latin typeface="Arial"/>
+              </a:endParaRPr>
+            </a:p>
+          </p:txBody>
+        </p:sp>
+      </p:grpSp>
+      <p:grpSp>
+        <p:nvGrpSpPr>
+          <p:cNvPr id="195" name="Group 4"/>
+          <p:cNvGrpSpPr/>
+          <p:nvPr/>
+        </p:nvGrpSpPr>
+        <p:grpSpPr>
+          <a:xfrm>
+            <a:off x="3591720" y="2834640"/>
+            <a:ext cx="1435680" cy="1046880"/>
+            <a:chOff x="3591720" y="2834640"/>
+            <a:chExt cx="1435680" cy="1046880"/>
+          </a:xfrm>
+        </p:grpSpPr>
+        <p:sp>
+          <p:nvSpPr>
+            <p:cNvPr id="196" name="CustomShape 5"/>
+            <p:cNvSpPr/>
+            <p:nvPr/>
+          </p:nvSpPr>
+          <p:spPr>
+            <a:xfrm>
+              <a:off x="3978000" y="2834640"/>
+              <a:ext cx="500760" cy="659880"/>
+            </a:xfrm>
+            <a:prstGeom prst="flowChartMagneticDisk">
+              <a:avLst/>
+            </a:prstGeom>
+            <a:ln>
+              <a:round/>
+            </a:ln>
+          </p:spPr>
+          <p:style>
+            <a:lnRef idx="2">
+              <a:schemeClr val="accent1">
+                <a:shade val="50000"/>
+              </a:schemeClr>
+            </a:lnRef>
+            <a:fillRef idx="1">
+              <a:schemeClr val="accent1"/>
+            </a:fillRef>
+            <a:effectRef idx="0">
+              <a:schemeClr val="accent1"/>
+            </a:effectRef>
+            <a:fontRef idx="minor"/>
+          </p:style>
+        </p:sp>
+        <p:sp>
+          <p:nvSpPr>
+            <p:cNvPr id="197" name="CustomShape 6"/>
+            <p:cNvSpPr/>
+            <p:nvPr/>
+          </p:nvSpPr>
+          <p:spPr>
+            <a:xfrm>
+              <a:off x="3591720" y="3519720"/>
+              <a:ext cx="1435680" cy="361800"/>
+            </a:xfrm>
+            <a:prstGeom prst="rect">
+              <a:avLst/>
+            </a:prstGeom>
+            <a:noFill/>
+            <a:ln>
+              <a:noFill/>
+            </a:ln>
+          </p:spPr>
+          <p:style>
+            <a:lnRef idx="0">
+              <a:scrgbClr r="0" g="0" b="0"/>
+            </a:lnRef>
+            <a:fillRef idx="0">
+              <a:scrgbClr r="0" g="0" b="0"/>
+            </a:fillRef>
+            <a:effectRef idx="0">
+              <a:scrgbClr r="0" g="0" b="0"/>
+            </a:effectRef>
+            <a:fontRef idx="minor"/>
+          </p:style>
+          <p:txBody>
+            <a:bodyPr wrap="none" lIns="90000" tIns="45000" rIns="90000" bIns="45000"/>
+            <a:lstStyle/>
+            <a:p>
+              <a:pPr algn="ctr">
+                <a:lnSpc>
+                  <a:spcPct val="100000"/>
+                </a:lnSpc>
+              </a:pPr>
+              <a:r>
+                <a:rPr lang="en-US" sz="2520" b="1" strike="noStrike" spc="-1" dirty="0" err="1" smtClean="0">
+                  <a:solidFill>
+                    <a:srgbClr val="000000"/>
+                  </a:solidFill>
+                  <a:latin typeface="Arial"/>
+                  <a:ea typeface="DejaVu Sans"/>
+                </a:rPr>
+                <a:t>Table_DU</a:t>
+              </a:r>
+              <a:endParaRPr lang="en-US" sz="2520" b="0" strike="noStrike" spc="-1" dirty="0">
+                <a:latin typeface="Arial"/>
+              </a:endParaRPr>
+            </a:p>
+          </p:txBody>
+        </p:sp>
+      </p:grpSp>
+      <p:sp>
+        <p:nvSpPr>
+          <p:cNvPr id="198" name="CustomShape 7"/>
+          <p:cNvSpPr/>
+          <p:nvPr/>
+        </p:nvSpPr>
+        <p:spPr>
+          <a:xfrm flipV="1">
+            <a:off x="2530440" y="3209400"/>
+            <a:ext cx="1095120" cy="360"/>
+          </a:xfrm>
+          <a:custGeom>
+            <a:avLst/>
+            <a:gdLst/>
+            <a:ahLst/>
+            <a:cxnLst/>
+            <a:rect l="l" t="t" r="r" b="b"/>
+            <a:pathLst>
+              <a:path w="21600" h="21600">
+                <a:moveTo>
+                  <a:pt x="0" y="0"/>
+                </a:moveTo>
+                <a:lnTo>
+                  <a:pt x="21600" y="21600"/>
+                </a:lnTo>
+              </a:path>
+            </a:pathLst>
+          </a:custGeom>
+          <a:noFill/>
+          <a:ln w="19080">
+            <a:solidFill>
+              <a:schemeClr val="tx1"/>
+            </a:solidFill>
+            <a:round/>
+            <a:tailEnd type="triangle" w="lg" len="lg"/>
+          </a:ln>
+        </p:spPr>
+        <p:style>
+          <a:lnRef idx="1">
+            <a:schemeClr val="accent1"/>
+          </a:lnRef>
+          <a:fillRef idx="0">
+            <a:schemeClr val="accent1"/>
+          </a:fillRef>
+          <a:effectRef idx="0">
+            <a:schemeClr val="accent1"/>
+          </a:effectRef>
+          <a:fontRef idx="minor"/>
+        </p:style>
+      </p:sp>
+      <p:sp>
+        <p:nvSpPr>
+          <p:cNvPr id="199" name="CustomShape 8"/>
+          <p:cNvSpPr/>
+          <p:nvPr/>
+        </p:nvSpPr>
+        <p:spPr>
+          <a:xfrm flipH="1">
+            <a:off x="4844160" y="1920240"/>
+            <a:ext cx="1186920" cy="1186920"/>
+          </a:xfrm>
+          <a:custGeom>
+            <a:avLst/>
+            <a:gdLst/>
+            <a:ahLst/>
+            <a:cxnLst/>
+            <a:rect l="l" t="t" r="r" b="b"/>
+            <a:pathLst>
+              <a:path w="21600" h="21600">
+                <a:moveTo>
+                  <a:pt x="0" y="0"/>
+                </a:moveTo>
+                <a:lnTo>
+                  <a:pt x="21600" y="21600"/>
+                </a:lnTo>
+              </a:path>
+            </a:pathLst>
+          </a:custGeom>
+          <a:noFill/>
+          <a:ln w="19080">
+            <a:solidFill>
+              <a:schemeClr val="tx1"/>
+            </a:solidFill>
+            <a:round/>
+            <a:tailEnd type="triangle" w="lg" len="lg"/>
+          </a:ln>
+        </p:spPr>
+        <p:style>
+          <a:lnRef idx="1">
+            <a:schemeClr val="accent1"/>
+          </a:lnRef>
+          <a:fillRef idx="0">
+            <a:schemeClr val="accent1"/>
+          </a:fillRef>
+          <a:effectRef idx="0">
+            <a:schemeClr val="accent1"/>
+          </a:effectRef>
+          <a:fontRef idx="minor"/>
+        </p:style>
+      </p:sp>
+      <p:grpSp>
+        <p:nvGrpSpPr>
+          <p:cNvPr id="200" name="Group 9"/>
+          <p:cNvGrpSpPr/>
+          <p:nvPr/>
+        </p:nvGrpSpPr>
+        <p:grpSpPr>
+          <a:xfrm>
+            <a:off x="6417360" y="1336680"/>
+            <a:ext cx="1170360" cy="947520"/>
+            <a:chOff x="6417360" y="1336680"/>
+            <a:chExt cx="1170360" cy="947520"/>
+          </a:xfrm>
+        </p:grpSpPr>
+        <p:pic>
+          <p:nvPicPr>
+            <p:cNvPr id="201" name="Grafik 60"/>
+            <p:cNvPicPr/>
+            <p:nvPr/>
+          </p:nvPicPr>
+          <p:blipFill>
+            <a:blip r:embed="rId2"/>
+            <a:stretch/>
+          </p:blipFill>
+          <p:spPr>
+            <a:xfrm>
+              <a:off x="6617880" y="1336680"/>
+              <a:ext cx="608760" cy="629640"/>
+            </a:xfrm>
+            <a:prstGeom prst="rect">
+              <a:avLst/>
+            </a:prstGeom>
+            <a:ln>
+              <a:noFill/>
+            </a:ln>
+          </p:spPr>
+        </p:pic>
+        <p:sp>
+          <p:nvSpPr>
+            <p:cNvPr id="202" name="CustomShape 10"/>
+            <p:cNvSpPr/>
+            <p:nvPr/>
+          </p:nvSpPr>
+          <p:spPr>
+            <a:xfrm>
+              <a:off x="6417360" y="1922400"/>
+              <a:ext cx="1170360" cy="361800"/>
+            </a:xfrm>
+            <a:prstGeom prst="rect">
+              <a:avLst/>
+            </a:prstGeom>
+            <a:noFill/>
+            <a:ln>
+              <a:noFill/>
+            </a:ln>
+          </p:spPr>
+          <p:style>
+            <a:lnRef idx="0">
+              <a:scrgbClr r="0" g="0" b="0"/>
+            </a:lnRef>
+            <a:fillRef idx="0">
+              <a:scrgbClr r="0" g="0" b="0"/>
+            </a:fillRef>
+            <a:effectRef idx="0">
+              <a:scrgbClr r="0" g="0" b="0"/>
+            </a:effectRef>
+            <a:fontRef idx="minor"/>
+          </p:style>
+          <p:txBody>
+            <a:bodyPr wrap="none" lIns="90000" tIns="45000" rIns="90000" bIns="45000"/>
+            <a:lstStyle/>
+            <a:p>
+              <a:pPr algn="ctr">
+                <a:lnSpc>
+                  <a:spcPct val="100000"/>
+                </a:lnSpc>
+              </a:pPr>
+              <a:r>
+                <a:rPr lang="en-US" sz="2520" b="1" strike="noStrike" spc="-1" dirty="0" smtClean="0">
+                  <a:solidFill>
+                    <a:srgbClr val="000000"/>
+                  </a:solidFill>
+                  <a:latin typeface="Arial"/>
+                  <a:ea typeface="DejaVu Sans"/>
+                </a:rPr>
+                <a:t>Getter1_DU</a:t>
+              </a:r>
+              <a:endParaRPr lang="en-US" sz="2520" b="0" strike="noStrike" spc="-1" dirty="0">
+                <a:latin typeface="Arial"/>
+              </a:endParaRPr>
+            </a:p>
+            <a:p>
+              <a:pPr algn="ctr">
+                <a:lnSpc>
+                  <a:spcPct val="100000"/>
+                </a:lnSpc>
+              </a:pPr>
+              <a:endParaRPr lang="en-US" sz="2520" b="0" strike="noStrike" spc="-1" dirty="0">
+                <a:latin typeface="Arial"/>
+              </a:endParaRPr>
+            </a:p>
+          </p:txBody>
+        </p:sp>
+      </p:grpSp>
+      <p:grpSp>
+        <p:nvGrpSpPr>
+          <p:cNvPr id="203" name="Group 11"/>
+          <p:cNvGrpSpPr/>
+          <p:nvPr/>
+        </p:nvGrpSpPr>
+        <p:grpSpPr>
+          <a:xfrm>
+            <a:off x="995040" y="6217920"/>
+            <a:ext cx="1106280" cy="979920"/>
+            <a:chOff x="995040" y="6217920"/>
+            <a:chExt cx="1106280" cy="979920"/>
+          </a:xfrm>
+        </p:grpSpPr>
+        <p:pic>
+          <p:nvPicPr>
+            <p:cNvPr id="204" name="Grafik 58"/>
+            <p:cNvPicPr/>
+            <p:nvPr/>
+          </p:nvPicPr>
+          <p:blipFill>
+            <a:blip r:embed="rId2"/>
+            <a:stretch/>
+          </p:blipFill>
+          <p:spPr>
+            <a:xfrm>
+              <a:off x="1099440" y="6217920"/>
+              <a:ext cx="608760" cy="629640"/>
+            </a:xfrm>
+            <a:prstGeom prst="rect">
+              <a:avLst/>
+            </a:prstGeom>
+            <a:ln>
+              <a:noFill/>
+            </a:ln>
+          </p:spPr>
+        </p:pic>
+        <p:sp>
+          <p:nvSpPr>
+            <p:cNvPr id="205" name="CustomShape 12"/>
+            <p:cNvSpPr/>
+            <p:nvPr/>
+          </p:nvSpPr>
+          <p:spPr>
+            <a:xfrm>
+              <a:off x="995040" y="6836040"/>
+              <a:ext cx="1106280" cy="361800"/>
+            </a:xfrm>
+            <a:prstGeom prst="rect">
+              <a:avLst/>
+            </a:prstGeom>
+            <a:noFill/>
+            <a:ln>
+              <a:noFill/>
+            </a:ln>
+          </p:spPr>
+          <p:style>
+            <a:lnRef idx="0">
+              <a:scrgbClr r="0" g="0" b="0"/>
+            </a:lnRef>
+            <a:fillRef idx="0">
+              <a:scrgbClr r="0" g="0" b="0"/>
+            </a:fillRef>
+            <a:effectRef idx="0">
+              <a:scrgbClr r="0" g="0" b="0"/>
+            </a:effectRef>
+            <a:fontRef idx="minor"/>
+          </p:style>
+          <p:txBody>
+            <a:bodyPr wrap="none" lIns="90000" tIns="45000" rIns="90000" bIns="45000"/>
+            <a:lstStyle/>
+            <a:p>
+              <a:pPr algn="ctr">
+                <a:lnSpc>
+                  <a:spcPct val="100000"/>
+                </a:lnSpc>
+              </a:pPr>
+              <a:r>
+                <a:rPr lang="en-US" sz="2520" b="1" strike="noStrike" spc="-1" dirty="0" err="1" smtClean="0">
+                  <a:solidFill>
+                    <a:srgbClr val="000000"/>
+                  </a:solidFill>
+                  <a:latin typeface="Arial"/>
+                  <a:ea typeface="DejaVu Sans"/>
+                </a:rPr>
+                <a:t>Caller_DU</a:t>
+              </a:r>
+              <a:endParaRPr lang="en-US" sz="2520" b="0" strike="noStrike" spc="-1" dirty="0">
+                <a:latin typeface="Arial"/>
+              </a:endParaRPr>
+            </a:p>
+            <a:p>
+              <a:pPr algn="ctr">
+                <a:lnSpc>
+                  <a:spcPct val="100000"/>
+                </a:lnSpc>
+              </a:pPr>
+              <a:endParaRPr lang="en-US" sz="2520" b="0" strike="noStrike" spc="-1" dirty="0">
+                <a:latin typeface="Arial"/>
+              </a:endParaRPr>
+            </a:p>
+          </p:txBody>
+        </p:sp>
+      </p:grpSp>
+      <p:sp>
+        <p:nvSpPr>
+          <p:cNvPr id="206" name="CustomShape 13"/>
+          <p:cNvSpPr/>
+          <p:nvPr/>
+        </p:nvSpPr>
+        <p:spPr>
+          <a:xfrm flipV="1">
+            <a:off x="2458080" y="6646320"/>
+            <a:ext cx="1095120" cy="360"/>
+          </a:xfrm>
+          <a:custGeom>
+            <a:avLst/>
+            <a:gdLst/>
+            <a:ahLst/>
+            <a:cxnLst/>
+            <a:rect l="l" t="t" r="r" b="b"/>
+            <a:pathLst>
+              <a:path w="21600" h="21600">
+                <a:moveTo>
+                  <a:pt x="0" y="0"/>
+                </a:moveTo>
+                <a:lnTo>
+                  <a:pt x="21600" y="21600"/>
+                </a:lnTo>
+              </a:path>
+            </a:pathLst>
+          </a:custGeom>
+          <a:noFill/>
+          <a:ln w="19080">
+            <a:solidFill>
+              <a:schemeClr val="tx1"/>
+            </a:solidFill>
+            <a:round/>
+            <a:tailEnd type="triangle" w="lg" len="lg"/>
+          </a:ln>
+        </p:spPr>
+        <p:style>
+          <a:lnRef idx="1">
+            <a:schemeClr val="accent1"/>
+          </a:lnRef>
+          <a:fillRef idx="0">
+            <a:schemeClr val="accent1"/>
+          </a:fillRef>
+          <a:effectRef idx="0">
+            <a:schemeClr val="accent1"/>
+          </a:effectRef>
+          <a:fontRef idx="minor"/>
+        </p:style>
+      </p:sp>
+      <p:grpSp>
+        <p:nvGrpSpPr>
+          <p:cNvPr id="207" name="Group 14"/>
+          <p:cNvGrpSpPr/>
+          <p:nvPr/>
+        </p:nvGrpSpPr>
+        <p:grpSpPr>
+          <a:xfrm>
+            <a:off x="3829680" y="6285240"/>
+            <a:ext cx="1106280" cy="979920"/>
+            <a:chOff x="3829680" y="6285240"/>
+            <a:chExt cx="1106280" cy="979920"/>
+          </a:xfrm>
+        </p:grpSpPr>
+        <p:pic>
+          <p:nvPicPr>
+            <p:cNvPr id="208" name="Grafik 58"/>
+            <p:cNvPicPr/>
+            <p:nvPr/>
+          </p:nvPicPr>
+          <p:blipFill>
+            <a:blip r:embed="rId2"/>
+            <a:stretch/>
+          </p:blipFill>
+          <p:spPr>
+            <a:xfrm>
+              <a:off x="3934080" y="6285240"/>
+              <a:ext cx="608760" cy="629640"/>
+            </a:xfrm>
+            <a:prstGeom prst="rect">
+              <a:avLst/>
+            </a:prstGeom>
+            <a:ln>
+              <a:noFill/>
+            </a:ln>
+          </p:spPr>
+        </p:pic>
+        <p:sp>
+          <p:nvSpPr>
+            <p:cNvPr id="209" name="CustomShape 15"/>
+            <p:cNvSpPr/>
+            <p:nvPr/>
+          </p:nvSpPr>
+          <p:spPr>
+            <a:xfrm>
+              <a:off x="3829680" y="6903360"/>
+              <a:ext cx="1106280" cy="361800"/>
+            </a:xfrm>
+            <a:prstGeom prst="rect">
+              <a:avLst/>
+            </a:prstGeom>
+            <a:noFill/>
+            <a:ln>
+              <a:noFill/>
+            </a:ln>
+          </p:spPr>
+          <p:style>
+            <a:lnRef idx="0">
+              <a:scrgbClr r="0" g="0" b="0"/>
+            </a:lnRef>
+            <a:fillRef idx="0">
+              <a:scrgbClr r="0" g="0" b="0"/>
+            </a:fillRef>
+            <a:effectRef idx="0">
+              <a:scrgbClr r="0" g="0" b="0"/>
+            </a:effectRef>
+            <a:fontRef idx="minor"/>
+          </p:style>
+          <p:txBody>
+            <a:bodyPr wrap="none" lIns="90000" tIns="45000" rIns="90000" bIns="45000"/>
+            <a:lstStyle/>
+            <a:p>
+              <a:pPr algn="ctr">
+                <a:lnSpc>
+                  <a:spcPct val="100000"/>
+                </a:lnSpc>
+              </a:pPr>
+              <a:r>
+                <a:rPr lang="en-US" sz="2520" b="1" strike="noStrike" spc="-1" dirty="0" smtClean="0">
+                  <a:solidFill>
+                    <a:srgbClr val="000000"/>
+                  </a:solidFill>
+                  <a:latin typeface="Arial"/>
+                  <a:ea typeface="DejaVu Sans"/>
+                </a:rPr>
+                <a:t>Callee1_DU</a:t>
+              </a:r>
+              <a:endParaRPr lang="en-US" sz="2520" b="0" strike="noStrike" spc="-1" dirty="0">
+                <a:latin typeface="Arial"/>
+              </a:endParaRPr>
+            </a:p>
+            <a:p>
+              <a:pPr algn="ctr">
+                <a:lnSpc>
+                  <a:spcPct val="100000"/>
+                </a:lnSpc>
+              </a:pPr>
+              <a:endParaRPr lang="en-US" sz="2520" b="0" strike="noStrike" spc="-1" dirty="0">
+                <a:latin typeface="Arial"/>
+              </a:endParaRPr>
+            </a:p>
+          </p:txBody>
+        </p:sp>
+      </p:grpSp>
+      <p:sp>
+        <p:nvSpPr>
+          <p:cNvPr id="210" name="CustomShape 16"/>
+          <p:cNvSpPr/>
+          <p:nvPr/>
+        </p:nvSpPr>
+        <p:spPr>
+          <a:xfrm>
+            <a:off x="2286000" y="7040880"/>
+            <a:ext cx="1004040" cy="1278360"/>
+          </a:xfrm>
+          <a:custGeom>
+            <a:avLst/>
+            <a:gdLst/>
+            <a:ahLst/>
+            <a:cxnLst/>
+            <a:rect l="l" t="t" r="r" b="b"/>
+            <a:pathLst>
+              <a:path w="21600" h="21600">
+                <a:moveTo>
+                  <a:pt x="0" y="0"/>
+                </a:moveTo>
+                <a:lnTo>
+                  <a:pt x="21600" y="21600"/>
+                </a:lnTo>
+              </a:path>
+            </a:pathLst>
+          </a:custGeom>
+          <a:noFill/>
+          <a:ln w="19080">
+            <a:solidFill>
+              <a:schemeClr val="tx1"/>
+            </a:solidFill>
+            <a:round/>
+            <a:tailEnd type="triangle" w="lg" len="lg"/>
+          </a:ln>
+        </p:spPr>
+        <p:style>
+          <a:lnRef idx="1">
+            <a:schemeClr val="accent1"/>
+          </a:lnRef>
+          <a:fillRef idx="0">
+            <a:schemeClr val="accent1"/>
+          </a:fillRef>
+          <a:effectRef idx="0">
+            <a:schemeClr val="accent1"/>
+          </a:effectRef>
+          <a:fontRef idx="minor"/>
+        </p:style>
+      </p:sp>
+      <p:grpSp>
+        <p:nvGrpSpPr>
+          <p:cNvPr id="211" name="Group 17"/>
+          <p:cNvGrpSpPr/>
+          <p:nvPr/>
+        </p:nvGrpSpPr>
+        <p:grpSpPr>
+          <a:xfrm>
+            <a:off x="3657600" y="8046720"/>
+            <a:ext cx="1106280" cy="979920"/>
+            <a:chOff x="3657600" y="8046720"/>
+            <a:chExt cx="1106280" cy="979920"/>
+          </a:xfrm>
+        </p:grpSpPr>
+        <p:pic>
+          <p:nvPicPr>
+            <p:cNvPr id="212" name="Grafik 58"/>
+            <p:cNvPicPr/>
+            <p:nvPr/>
+          </p:nvPicPr>
+          <p:blipFill>
+            <a:blip r:embed="rId2"/>
+            <a:stretch/>
+          </p:blipFill>
+          <p:spPr>
+            <a:xfrm>
+              <a:off x="3762000" y="8046720"/>
+              <a:ext cx="608760" cy="629640"/>
+            </a:xfrm>
+            <a:prstGeom prst="rect">
+              <a:avLst/>
+            </a:prstGeom>
+            <a:ln>
+              <a:noFill/>
+            </a:ln>
+          </p:spPr>
+        </p:pic>
+        <p:sp>
+          <p:nvSpPr>
+            <p:cNvPr id="213" name="CustomShape 18"/>
+            <p:cNvSpPr/>
+            <p:nvPr/>
+          </p:nvSpPr>
+          <p:spPr>
+            <a:xfrm>
+              <a:off x="3657600" y="8664840"/>
+              <a:ext cx="1106280" cy="361800"/>
+            </a:xfrm>
+            <a:prstGeom prst="rect">
+              <a:avLst/>
+            </a:prstGeom>
+            <a:noFill/>
+            <a:ln>
+              <a:noFill/>
+            </a:ln>
+          </p:spPr>
+          <p:style>
+            <a:lnRef idx="0">
+              <a:scrgbClr r="0" g="0" b="0"/>
+            </a:lnRef>
+            <a:fillRef idx="0">
+              <a:scrgbClr r="0" g="0" b="0"/>
+            </a:fillRef>
+            <a:effectRef idx="0">
+              <a:scrgbClr r="0" g="0" b="0"/>
+            </a:effectRef>
+            <a:fontRef idx="minor"/>
+          </p:style>
+          <p:txBody>
+            <a:bodyPr wrap="none" lIns="90000" tIns="45000" rIns="90000" bIns="45000"/>
+            <a:lstStyle/>
+            <a:p>
+              <a:pPr algn="ctr">
+                <a:lnSpc>
+                  <a:spcPct val="100000"/>
+                </a:lnSpc>
+              </a:pPr>
+              <a:r>
+                <a:rPr lang="en-US" sz="2520" b="1" strike="noStrike" spc="-1" dirty="0" smtClean="0">
+                  <a:solidFill>
+                    <a:srgbClr val="000000"/>
+                  </a:solidFill>
+                  <a:latin typeface="Arial"/>
+                  <a:ea typeface="DejaVu Sans"/>
+                </a:rPr>
+                <a:t>Callee2_DU</a:t>
+              </a:r>
+              <a:endParaRPr lang="en-US" sz="2520" b="0" strike="noStrike" spc="-1" dirty="0">
+                <a:latin typeface="Arial"/>
+              </a:endParaRPr>
+            </a:p>
+            <a:p>
+              <a:pPr algn="ctr">
+                <a:lnSpc>
+                  <a:spcPct val="100000"/>
+                </a:lnSpc>
+              </a:pPr>
+              <a:endParaRPr lang="en-US" sz="2520" b="0" strike="noStrike" spc="-1" dirty="0">
+                <a:latin typeface="Arial"/>
+              </a:endParaRPr>
+            </a:p>
+          </p:txBody>
+        </p:sp>
+      </p:grpSp>
+      <p:sp>
+        <p:nvSpPr>
+          <p:cNvPr id="214" name="CustomShape 19"/>
+          <p:cNvSpPr/>
+          <p:nvPr/>
+        </p:nvSpPr>
+        <p:spPr>
+          <a:xfrm flipH="1" flipV="1">
+            <a:off x="5027040" y="3517200"/>
+            <a:ext cx="1461240" cy="959400"/>
+          </a:xfrm>
+          <a:custGeom>
+            <a:avLst/>
+            <a:gdLst/>
+            <a:ahLst/>
+            <a:cxnLst/>
+            <a:rect l="l" t="t" r="r" b="b"/>
+            <a:pathLst>
+              <a:path w="21600" h="21600">
+                <a:moveTo>
+                  <a:pt x="0" y="0"/>
+                </a:moveTo>
+                <a:lnTo>
+                  <a:pt x="21600" y="21600"/>
+                </a:lnTo>
+              </a:path>
+            </a:pathLst>
+          </a:custGeom>
+          <a:noFill/>
+          <a:ln w="19080">
+            <a:solidFill>
+              <a:schemeClr val="tx1"/>
+            </a:solidFill>
+            <a:round/>
+            <a:tailEnd type="triangle" w="lg" len="lg"/>
+          </a:ln>
+        </p:spPr>
+        <p:style>
+          <a:lnRef idx="1">
+            <a:schemeClr val="accent1"/>
+          </a:lnRef>
+          <a:fillRef idx="0">
+            <a:schemeClr val="accent1"/>
+          </a:fillRef>
+          <a:effectRef idx="0">
+            <a:schemeClr val="accent1"/>
+          </a:effectRef>
+          <a:fontRef idx="minor"/>
+        </p:style>
+      </p:sp>
+      <p:grpSp>
+        <p:nvGrpSpPr>
+          <p:cNvPr id="215" name="Group 20"/>
+          <p:cNvGrpSpPr/>
+          <p:nvPr/>
+        </p:nvGrpSpPr>
+        <p:grpSpPr>
+          <a:xfrm>
+            <a:off x="6783120" y="4079880"/>
+            <a:ext cx="1170360" cy="947520"/>
+            <a:chOff x="6783120" y="4079880"/>
+            <a:chExt cx="1170360" cy="947520"/>
+          </a:xfrm>
+        </p:grpSpPr>
+        <p:pic>
+          <p:nvPicPr>
+            <p:cNvPr id="216" name="Grafik 60"/>
+            <p:cNvPicPr/>
+            <p:nvPr/>
+          </p:nvPicPr>
+          <p:blipFill>
+            <a:blip r:embed="rId2"/>
+            <a:stretch/>
+          </p:blipFill>
+          <p:spPr>
+            <a:xfrm>
+              <a:off x="6983640" y="4079880"/>
+              <a:ext cx="608760" cy="629640"/>
+            </a:xfrm>
+            <a:prstGeom prst="rect">
+              <a:avLst/>
+            </a:prstGeom>
+            <a:ln>
+              <a:noFill/>
+            </a:ln>
+          </p:spPr>
+        </p:pic>
+        <p:sp>
+          <p:nvSpPr>
+            <p:cNvPr id="217" name="CustomShape 21"/>
+            <p:cNvSpPr/>
+            <p:nvPr/>
+          </p:nvSpPr>
+          <p:spPr>
+            <a:xfrm>
+              <a:off x="6783120" y="4665600"/>
+              <a:ext cx="1170360" cy="361800"/>
+            </a:xfrm>
+            <a:prstGeom prst="rect">
+              <a:avLst/>
+            </a:prstGeom>
+            <a:noFill/>
+            <a:ln>
+              <a:noFill/>
+            </a:ln>
+          </p:spPr>
+          <p:style>
+            <a:lnRef idx="0">
+              <a:scrgbClr r="0" g="0" b="0"/>
+            </a:lnRef>
+            <a:fillRef idx="0">
+              <a:scrgbClr r="0" g="0" b="0"/>
+            </a:fillRef>
+            <a:effectRef idx="0">
+              <a:scrgbClr r="0" g="0" b="0"/>
+            </a:effectRef>
+            <a:fontRef idx="minor"/>
+          </p:style>
+          <p:txBody>
+            <a:bodyPr wrap="none" lIns="90000" tIns="45000" rIns="90000" bIns="45000"/>
+            <a:lstStyle/>
+            <a:p>
+              <a:pPr algn="ctr">
+                <a:lnSpc>
+                  <a:spcPct val="100000"/>
+                </a:lnSpc>
+              </a:pPr>
+              <a:r>
+                <a:rPr lang="en-US" sz="2520" b="1" spc="-1" dirty="0" smtClean="0">
+                  <a:solidFill>
+                    <a:srgbClr val="000000"/>
+                  </a:solidFill>
+                  <a:latin typeface="Arial"/>
+                  <a:ea typeface="DejaVu Sans"/>
+                </a:rPr>
+                <a:t>Getter</a:t>
+              </a:r>
+              <a:r>
+                <a:rPr lang="en-US" sz="2520" b="1" strike="noStrike" spc="-1" dirty="0" smtClean="0">
+                  <a:solidFill>
+                    <a:srgbClr val="000000"/>
+                  </a:solidFill>
+                  <a:latin typeface="Arial"/>
+                  <a:ea typeface="DejaVu Sans"/>
+                </a:rPr>
+                <a:t>2_DU</a:t>
+              </a:r>
+              <a:endParaRPr lang="en-US" sz="2520" b="0" strike="noStrike" spc="-1" dirty="0">
+                <a:latin typeface="Arial"/>
+              </a:endParaRPr>
+            </a:p>
+            <a:p>
+              <a:pPr algn="ctr">
+                <a:lnSpc>
+                  <a:spcPct val="100000"/>
+                </a:lnSpc>
+              </a:pPr>
+              <a:endParaRPr lang="en-US" sz="2520" b="0" strike="noStrike" spc="-1" dirty="0">
+                <a:latin typeface="Arial"/>
+              </a:endParaRPr>
+            </a:p>
+          </p:txBody>
+        </p:sp>
+      </p:grpSp>
+      <p:grpSp>
+        <p:nvGrpSpPr>
+          <p:cNvPr id="29" name="Group 2"/>
+          <p:cNvGrpSpPr/>
+          <p:nvPr/>
+        </p:nvGrpSpPr>
+        <p:grpSpPr>
+          <a:xfrm>
+            <a:off x="3257668" y="684900"/>
+            <a:ext cx="1106280" cy="979920"/>
+            <a:chOff x="1067400" y="2781000"/>
+            <a:chExt cx="1106280" cy="979920"/>
+          </a:xfrm>
+        </p:grpSpPr>
+        <p:pic>
+          <p:nvPicPr>
+            <p:cNvPr id="30" name="Grafik 58"/>
+            <p:cNvPicPr/>
+            <p:nvPr/>
+          </p:nvPicPr>
+          <p:blipFill>
+            <a:blip r:embed="rId2"/>
+            <a:stretch/>
+          </p:blipFill>
+          <p:spPr>
+            <a:xfrm>
+              <a:off x="1171800" y="2781000"/>
+              <a:ext cx="608760" cy="629640"/>
+            </a:xfrm>
+            <a:prstGeom prst="rect">
+              <a:avLst/>
+            </a:prstGeom>
+            <a:ln>
+              <a:noFill/>
+            </a:ln>
+          </p:spPr>
+        </p:pic>
+        <p:sp>
+          <p:nvSpPr>
+            <p:cNvPr id="31" name="CustomShape 3"/>
+            <p:cNvSpPr/>
+            <p:nvPr/>
+          </p:nvSpPr>
+          <p:spPr>
+            <a:xfrm>
+              <a:off x="1067400" y="3399120"/>
+              <a:ext cx="1106280" cy="361800"/>
+            </a:xfrm>
+            <a:prstGeom prst="rect">
+              <a:avLst/>
+            </a:prstGeom>
+            <a:noFill/>
+            <a:ln>
+              <a:noFill/>
+            </a:ln>
+          </p:spPr>
+          <p:style>
+            <a:lnRef idx="0">
+              <a:scrgbClr r="0" g="0" b="0"/>
+            </a:lnRef>
+            <a:fillRef idx="0">
+              <a:scrgbClr r="0" g="0" b="0"/>
+            </a:fillRef>
+            <a:effectRef idx="0">
+              <a:scrgbClr r="0" g="0" b="0"/>
+            </a:effectRef>
+            <a:fontRef idx="minor"/>
+          </p:style>
+          <p:txBody>
+            <a:bodyPr wrap="none" lIns="90000" tIns="45000" rIns="90000" bIns="45000"/>
+            <a:lstStyle/>
+            <a:p>
+              <a:pPr algn="ctr">
+                <a:lnSpc>
+                  <a:spcPct val="100000"/>
+                </a:lnSpc>
+              </a:pPr>
+              <a:r>
+                <a:rPr lang="en-US" sz="2520" b="1" strike="noStrike" spc="-1" dirty="0" err="1" smtClean="0">
+                  <a:solidFill>
+                    <a:srgbClr val="000000"/>
+                  </a:solidFill>
+                  <a:latin typeface="Arial"/>
+                  <a:ea typeface="DejaVu Sans"/>
+                </a:rPr>
+                <a:t>Deleter_DU</a:t>
+              </a:r>
+              <a:endParaRPr lang="en-US" sz="2520" b="0" strike="noStrike" spc="-1" dirty="0">
+                <a:latin typeface="Arial"/>
+              </a:endParaRPr>
+            </a:p>
+            <a:p>
+              <a:pPr algn="ctr">
+                <a:lnSpc>
+                  <a:spcPct val="100000"/>
+                </a:lnSpc>
+              </a:pPr>
+              <a:endParaRPr lang="en-US" sz="2520" b="0" strike="noStrike" spc="-1" dirty="0">
+                <a:latin typeface="Arial"/>
+              </a:endParaRPr>
+            </a:p>
+          </p:txBody>
+        </p:sp>
+      </p:grpSp>
+      <p:sp>
+        <p:nvSpPr>
+          <p:cNvPr id="32" name="CustomShape 7"/>
+          <p:cNvSpPr/>
+          <p:nvPr/>
+        </p:nvSpPr>
+        <p:spPr>
+          <a:xfrm>
+            <a:off x="3934080" y="1920240"/>
+            <a:ext cx="323280" cy="817920"/>
+          </a:xfrm>
+          <a:custGeom>
+            <a:avLst/>
+            <a:gdLst/>
+            <a:ahLst/>
+            <a:cxnLst/>
+            <a:rect l="l" t="t" r="r" b="b"/>
+            <a:pathLst>
+              <a:path w="21600" h="21600">
+                <a:moveTo>
+                  <a:pt x="0" y="0"/>
+                </a:moveTo>
+                <a:lnTo>
+                  <a:pt x="21600" y="21600"/>
+                </a:lnTo>
+              </a:path>
+            </a:pathLst>
+          </a:custGeom>
+          <a:noFill/>
+          <a:ln w="19080">
+            <a:solidFill>
+              <a:schemeClr val="tx1"/>
+            </a:solidFill>
+            <a:round/>
+            <a:tailEnd type="triangle" w="lg" len="lg"/>
+          </a:ln>
+        </p:spPr>
+        <p:style>
+          <a:lnRef idx="1">
+            <a:schemeClr val="accent1"/>
+          </a:lnRef>
+          <a:fillRef idx="0">
+            <a:schemeClr val="accent1"/>
+          </a:fillRef>
+          <a:effectRef idx="0">
+            <a:schemeClr val="accent1"/>
+          </a:effectRef>
+          <a:fontRef idx="minor"/>
+        </p:style>
+      </p:sp>
+    </p:spTree>
+    <p:extLst>
+      <p:ext uri="{BB962C8B-B14F-4D97-AF65-F5344CB8AC3E}">
+        <p14:creationId xmlns:p14="http://schemas.microsoft.com/office/powerpoint/2010/main" val="2891716295"/>
+      </p:ext>
+    </p:extLst>
+  </p:cSld>
+  <p:clrMapOvr>
+    <a:masterClrMapping/>
+  </p:clrMapOvr>
+  <p:timing>
+    <p:tnLst>
+      <p:par>
+        <p:cTn id="1" dur="indefinite" restart="never" nodeType="tmRoot">
+          <p:childTnLst>
+            <p:seq>
+              <p:cTn id="2" dur="indefinite" nodeType="mainSeq"/>
+              <p:prevCondLst>
+                <p:cond evt="onPrev" delay="0">
+                  <p:tgtEl>
+                    <p:sldTgt/>
+                  </p:tgtEl>
+                </p:cond>
+              </p:prevCondLst>
+              <p:nextCondLst>
+                <p:cond evt="onNext" delay="0">
+                  <p:tgtEl>
+                    <p:sldTgt/>
+                  </p:tgtEl>
+                </p:cond>
+              </p:nextCondLst>
+            </p:seq>
+          </p:childTnLst>
+        </p:cTn>
+      </p:par>
+    </p:tnLst>
+  </p:timing>
+</p:sld>
+</file>
+
+<file path=ppt/slides/slide6.xml><?xml version="1.0" encoding="utf-8"?>
 <p:sld xmlns:a="http://schemas.openxmlformats.org/drawingml/2006/main" xmlns:r="http://schemas.openxmlformats.org/officeDocument/2006/relationships" xmlns:p="http://schemas.openxmlformats.org/presentationml/2006/main">
   <p:cSld>
     <p:spTree>
@@ -11371,6 +12806,160 @@
           </p:txBody>
         </p:sp>
       </p:grpSp>
+      <p:grpSp>
+        <p:nvGrpSpPr>
+          <p:cNvPr id="29" name="Group 2"/>
+          <p:cNvGrpSpPr/>
+          <p:nvPr/>
+        </p:nvGrpSpPr>
+        <p:grpSpPr>
+          <a:xfrm>
+            <a:off x="3257668" y="684900"/>
+            <a:ext cx="1106280" cy="979920"/>
+            <a:chOff x="1067400" y="2781000"/>
+            <a:chExt cx="1106280" cy="979920"/>
+          </a:xfrm>
+        </p:grpSpPr>
+        <p:pic>
+          <p:nvPicPr>
+            <p:cNvPr id="30" name="Grafik 58"/>
+            <p:cNvPicPr/>
+            <p:nvPr/>
+          </p:nvPicPr>
+          <p:blipFill>
+            <a:blip r:embed="rId2"/>
+            <a:stretch/>
+          </p:blipFill>
+          <p:spPr>
+            <a:xfrm>
+              <a:off x="1171800" y="2781000"/>
+              <a:ext cx="608760" cy="629640"/>
+            </a:xfrm>
+            <a:prstGeom prst="rect">
+              <a:avLst/>
+            </a:prstGeom>
+            <a:ln>
+              <a:noFill/>
+            </a:ln>
+          </p:spPr>
+        </p:pic>
+        <p:sp>
+          <p:nvSpPr>
+            <p:cNvPr id="31" name="CustomShape 3"/>
+            <p:cNvSpPr/>
+            <p:nvPr/>
+          </p:nvSpPr>
+          <p:spPr>
+            <a:xfrm>
+              <a:off x="1067400" y="3399120"/>
+              <a:ext cx="1106280" cy="361800"/>
+            </a:xfrm>
+            <a:prstGeom prst="rect">
+              <a:avLst/>
+            </a:prstGeom>
+            <a:noFill/>
+            <a:ln>
+              <a:noFill/>
+            </a:ln>
+          </p:spPr>
+          <p:style>
+            <a:lnRef idx="0">
+              <a:scrgbClr r="0" g="0" b="0"/>
+            </a:lnRef>
+            <a:fillRef idx="0">
+              <a:scrgbClr r="0" g="0" b="0"/>
+            </a:fillRef>
+            <a:effectRef idx="0">
+              <a:scrgbClr r="0" g="0" b="0"/>
+            </a:effectRef>
+            <a:fontRef idx="minor"/>
+          </p:style>
+          <p:txBody>
+            <a:bodyPr wrap="none" lIns="90000" tIns="45000" rIns="90000" bIns="45000"/>
+            <a:lstStyle/>
+            <a:p>
+              <a:pPr algn="ctr">
+                <a:lnSpc>
+                  <a:spcPct val="100000"/>
+                </a:lnSpc>
+              </a:pPr>
+              <a:r>
+                <a:rPr lang="en-US" sz="2520" b="1" strike="noStrike" spc="-1" dirty="0" err="1" smtClean="0">
+                  <a:solidFill>
+                    <a:srgbClr val="000000"/>
+                  </a:solidFill>
+                  <a:latin typeface="Arial"/>
+                  <a:ea typeface="DejaVu Sans"/>
+                </a:rPr>
+                <a:t>Deleter_AU</a:t>
+              </a:r>
+              <a:endParaRPr lang="en-US" sz="2520" b="0" strike="noStrike" spc="-1" dirty="0">
+                <a:latin typeface="Arial"/>
+              </a:endParaRPr>
+            </a:p>
+            <a:p>
+              <a:pPr algn="ctr">
+                <a:lnSpc>
+                  <a:spcPct val="100000"/>
+                </a:lnSpc>
+              </a:pPr>
+              <a:endParaRPr lang="en-US" sz="2520" b="0" strike="noStrike" spc="-1" dirty="0">
+                <a:latin typeface="Arial"/>
+              </a:endParaRPr>
+            </a:p>
+          </p:txBody>
+        </p:sp>
+      </p:grpSp>
+      <p:sp>
+        <p:nvSpPr>
+          <p:cNvPr id="32" name="CustomShape 7"/>
+          <p:cNvSpPr/>
+          <p:nvPr/>
+        </p:nvSpPr>
+        <p:spPr>
+          <a:xfrm>
+            <a:off x="3934080" y="1920240"/>
+            <a:ext cx="323280" cy="817920"/>
+          </a:xfrm>
+          <a:custGeom>
+            <a:avLst/>
+            <a:gdLst/>
+            <a:ahLst/>
+            <a:cxnLst/>
+            <a:rect l="l" t="t" r="r" b="b"/>
+            <a:pathLst>
+              <a:path w="21600" h="21600">
+                <a:moveTo>
+                  <a:pt x="0" y="0"/>
+                </a:moveTo>
+                <a:lnTo>
+                  <a:pt x="21600" y="21600"/>
+                </a:lnTo>
+              </a:path>
+            </a:pathLst>
+          </a:custGeom>
+          <a:noFill/>
+          <a:ln w="19080">
+            <a:solidFill>
+              <a:schemeClr val="tx1"/>
+            </a:solidFill>
+            <a:round/>
+            <a:tailEnd type="triangle" w="lg" len="lg"/>
+          </a:ln>
+        </p:spPr>
+        <p:style>
+          <a:lnRef idx="1">
+            <a:schemeClr val="accent1"/>
+          </a:lnRef>
+          <a:fillRef idx="0">
+            <a:schemeClr val="accent1"/>
+          </a:fillRef>
+          <a:effectRef idx="0">
+            <a:schemeClr val="accent1"/>
+          </a:effectRef>
+          <a:fontRef idx="minor"/>
+        </p:style>
+      </p:sp>
     </p:spTree>
   </p:cSld>
   <p:clrMapOvr>
